--- a/assets/headshots/alex3.pptx
+++ b/assets/headshots/alex3.pptx
@@ -104,7 +104,57 @@
       </a:defRPr>
     </a:lvl9pPr>
   </p:defaultTextStyle>
+  <p:extLst>
+    <p:ext uri="{EFAFB233-063F-42B5-8137-9DF3F51BA10A}">
+      <p15:sldGuideLst xmlns:p15="http://schemas.microsoft.com/office/powerpoint/2012/main"/>
+    </p:ext>
+  </p:extLst>
 </p:presentation>
+</file>
+
+<file path=ppt/changesInfos/changesInfo1.xml><?xml version="1.0" encoding="utf-8"?>
+<pc:chgInfo xmlns:a="http://schemas.openxmlformats.org/drawingml/2006/main" xmlns:r="http://schemas.openxmlformats.org/officeDocument/2006/relationships" xmlns:ac="http://schemas.microsoft.com/office/drawing/2013/main/command" xmlns:pc="http://schemas.microsoft.com/office/powerpoint/2013/main/command">
+  <pc:docChgLst>
+    <pc:chgData name="Kat Bowles" userId="d4a26f9a-291f-4c47-90c1-1bd2ed9000bb" providerId="ADAL" clId="{BF463DFA-EE01-449C-87D6-6C9AEA1D67B6}"/>
+    <pc:docChg chg="modSld">
+      <pc:chgData name="Kat Bowles" userId="d4a26f9a-291f-4c47-90c1-1bd2ed9000bb" providerId="ADAL" clId="{BF463DFA-EE01-449C-87D6-6C9AEA1D67B6}" dt="2025-04-01T12:57:13.918" v="9" actId="1076"/>
+      <pc:docMkLst>
+        <pc:docMk/>
+      </pc:docMkLst>
+      <pc:sldChg chg="addSp modSp mod">
+        <pc:chgData name="Kat Bowles" userId="d4a26f9a-291f-4c47-90c1-1bd2ed9000bb" providerId="ADAL" clId="{BF463DFA-EE01-449C-87D6-6C9AEA1D67B6}" dt="2025-04-01T12:57:13.918" v="9" actId="1076"/>
+        <pc:sldMkLst>
+          <pc:docMk/>
+          <pc:sldMk cId="575214327" sldId="256"/>
+        </pc:sldMkLst>
+        <pc:picChg chg="add mod">
+          <ac:chgData name="Kat Bowles" userId="d4a26f9a-291f-4c47-90c1-1bd2ed9000bb" providerId="ADAL" clId="{BF463DFA-EE01-449C-87D6-6C9AEA1D67B6}" dt="2025-04-01T12:56:53.254" v="3" actId="1076"/>
+          <ac:picMkLst>
+            <pc:docMk/>
+            <pc:sldMk cId="575214327" sldId="256"/>
+            <ac:picMk id="3" creationId="{921016A5-434A-437B-AB9C-0B5E1D43B736}"/>
+          </ac:picMkLst>
+        </pc:picChg>
+        <pc:picChg chg="mod">
+          <ac:chgData name="Kat Bowles" userId="d4a26f9a-291f-4c47-90c1-1bd2ed9000bb" providerId="ADAL" clId="{BF463DFA-EE01-449C-87D6-6C9AEA1D67B6}" dt="2025-04-01T12:56:51.390" v="2" actId="1076"/>
+          <ac:picMkLst>
+            <pc:docMk/>
+            <pc:sldMk cId="575214327" sldId="256"/>
+            <ac:picMk id="5" creationId="{ADBAA3A2-82E6-4FD8-A88F-F6DBF268C022}"/>
+          </ac:picMkLst>
+        </pc:picChg>
+        <pc:picChg chg="add mod modCrop">
+          <ac:chgData name="Kat Bowles" userId="d4a26f9a-291f-4c47-90c1-1bd2ed9000bb" providerId="ADAL" clId="{BF463DFA-EE01-449C-87D6-6C9AEA1D67B6}" dt="2025-04-01T12:57:13.918" v="9" actId="1076"/>
+          <ac:picMkLst>
+            <pc:docMk/>
+            <pc:sldMk cId="575214327" sldId="256"/>
+            <ac:picMk id="6" creationId="{1F302E8A-5516-4FE7-9FD8-BB34C492EE26}"/>
+          </ac:picMkLst>
+        </pc:picChg>
+      </pc:sldChg>
+    </pc:docChg>
+  </pc:docChgLst>
+</pc:chgInfo>
 </file>
 
 <file path=ppt/slideLayouts/slideLayout1.xml><?xml version="1.0" encoding="utf-8"?>
@@ -256,7 +306,7 @@
           <a:p>
             <a:fld id="{48AC2D1A-26A5-449F-B8AB-253D7979A6F9}" type="datetimeFigureOut">
               <a:rPr lang="en-GB" smtClean="0"/>
-              <a:t>29/08/2024</a:t>
+              <a:t>01/04/2025</a:t>
             </a:fld>
             <a:endParaRPr lang="en-GB"/>
           </a:p>
@@ -456,7 +506,7 @@
           <a:p>
             <a:fld id="{48AC2D1A-26A5-449F-B8AB-253D7979A6F9}" type="datetimeFigureOut">
               <a:rPr lang="en-GB" smtClean="0"/>
-              <a:t>29/08/2024</a:t>
+              <a:t>01/04/2025</a:t>
             </a:fld>
             <a:endParaRPr lang="en-GB"/>
           </a:p>
@@ -666,7 +716,7 @@
           <a:p>
             <a:fld id="{48AC2D1A-26A5-449F-B8AB-253D7979A6F9}" type="datetimeFigureOut">
               <a:rPr lang="en-GB" smtClean="0"/>
-              <a:t>29/08/2024</a:t>
+              <a:t>01/04/2025</a:t>
             </a:fld>
             <a:endParaRPr lang="en-GB"/>
           </a:p>
@@ -866,7 +916,7 @@
           <a:p>
             <a:fld id="{48AC2D1A-26A5-449F-B8AB-253D7979A6F9}" type="datetimeFigureOut">
               <a:rPr lang="en-GB" smtClean="0"/>
-              <a:t>29/08/2024</a:t>
+              <a:t>01/04/2025</a:t>
             </a:fld>
             <a:endParaRPr lang="en-GB"/>
           </a:p>
@@ -1142,7 +1192,7 @@
           <a:p>
             <a:fld id="{48AC2D1A-26A5-449F-B8AB-253D7979A6F9}" type="datetimeFigureOut">
               <a:rPr lang="en-GB" smtClean="0"/>
-              <a:t>29/08/2024</a:t>
+              <a:t>01/04/2025</a:t>
             </a:fld>
             <a:endParaRPr lang="en-GB"/>
           </a:p>
@@ -1410,7 +1460,7 @@
           <a:p>
             <a:fld id="{48AC2D1A-26A5-449F-B8AB-253D7979A6F9}" type="datetimeFigureOut">
               <a:rPr lang="en-GB" smtClean="0"/>
-              <a:t>29/08/2024</a:t>
+              <a:t>01/04/2025</a:t>
             </a:fld>
             <a:endParaRPr lang="en-GB"/>
           </a:p>
@@ -1825,7 +1875,7 @@
           <a:p>
             <a:fld id="{48AC2D1A-26A5-449F-B8AB-253D7979A6F9}" type="datetimeFigureOut">
               <a:rPr lang="en-GB" smtClean="0"/>
-              <a:t>29/08/2024</a:t>
+              <a:t>01/04/2025</a:t>
             </a:fld>
             <a:endParaRPr lang="en-GB"/>
           </a:p>
@@ -1967,7 +2017,7 @@
           <a:p>
             <a:fld id="{48AC2D1A-26A5-449F-B8AB-253D7979A6F9}" type="datetimeFigureOut">
               <a:rPr lang="en-GB" smtClean="0"/>
-              <a:t>29/08/2024</a:t>
+              <a:t>01/04/2025</a:t>
             </a:fld>
             <a:endParaRPr lang="en-GB"/>
           </a:p>
@@ -2080,7 +2130,7 @@
           <a:p>
             <a:fld id="{48AC2D1A-26A5-449F-B8AB-253D7979A6F9}" type="datetimeFigureOut">
               <a:rPr lang="en-GB" smtClean="0"/>
-              <a:t>29/08/2024</a:t>
+              <a:t>01/04/2025</a:t>
             </a:fld>
             <a:endParaRPr lang="en-GB"/>
           </a:p>
@@ -2393,7 +2443,7 @@
           <a:p>
             <a:fld id="{48AC2D1A-26A5-449F-B8AB-253D7979A6F9}" type="datetimeFigureOut">
               <a:rPr lang="en-GB" smtClean="0"/>
-              <a:t>29/08/2024</a:t>
+              <a:t>01/04/2025</a:t>
             </a:fld>
             <a:endParaRPr lang="en-GB"/>
           </a:p>
@@ -2682,7 +2732,7 @@
           <a:p>
             <a:fld id="{48AC2D1A-26A5-449F-B8AB-253D7979A6F9}" type="datetimeFigureOut">
               <a:rPr lang="en-GB" smtClean="0"/>
-              <a:t>29/08/2024</a:t>
+              <a:t>01/04/2025</a:t>
             </a:fld>
             <a:endParaRPr lang="en-GB"/>
           </a:p>
@@ -2925,7 +2975,7 @@
           <a:p>
             <a:fld id="{48AC2D1A-26A5-449F-B8AB-253D7979A6F9}" type="datetimeFigureOut">
               <a:rPr lang="en-GB" smtClean="0"/>
-              <a:t>29/08/2024</a:t>
+              <a:t>01/04/2025</a:t>
             </a:fld>
             <a:endParaRPr lang="en-GB"/>
           </a:p>
@@ -3369,8 +3419,79 @@
         </p:blipFill>
         <p:spPr>
           <a:xfrm>
-            <a:off x="2929795" y="1593908"/>
+            <a:off x="-390921" y="-748239"/>
             <a:ext cx="6332410" cy="4580389"/>
+          </a:xfrm>
+          <a:prstGeom prst="rect">
+            <a:avLst/>
+          </a:prstGeom>
+        </p:spPr>
+      </p:pic>
+      <p:pic>
+        <p:nvPicPr>
+          <p:cNvPr id="3" name="Picture 2">
+            <a:extLst>
+              <a:ext uri="{FF2B5EF4-FFF2-40B4-BE49-F238E27FC236}">
+                <a16:creationId xmlns:a16="http://schemas.microsoft.com/office/drawing/2014/main" id="{921016A5-434A-437B-AB9C-0B5E1D43B736}"/>
+              </a:ext>
+            </a:extLst>
+          </p:cNvPr>
+          <p:cNvPicPr>
+            <a:picLocks noChangeAspect="1"/>
+          </p:cNvPicPr>
+          <p:nvPr/>
+        </p:nvPicPr>
+        <p:blipFill>
+          <a:blip r:embed="rId3">
+            <a:extLst>
+              <a:ext uri="{28A0092B-C50C-407E-A947-70E740481C1C}">
+                <a14:useLocalDpi xmlns:a14="http://schemas.microsoft.com/office/drawing/2010/main" val="0"/>
+              </a:ext>
+            </a:extLst>
+          </a:blip>
+          <a:stretch>
+            <a:fillRect/>
+          </a:stretch>
+        </p:blipFill>
+        <p:spPr>
+          <a:xfrm>
+            <a:off x="3892583" y="0"/>
+            <a:ext cx="8128603" cy="6858000"/>
+          </a:xfrm>
+          <a:prstGeom prst="rect">
+            <a:avLst/>
+          </a:prstGeom>
+        </p:spPr>
+      </p:pic>
+      <p:pic>
+        <p:nvPicPr>
+          <p:cNvPr id="6" name="Picture 5">
+            <a:extLst>
+              <a:ext uri="{FF2B5EF4-FFF2-40B4-BE49-F238E27FC236}">
+                <a16:creationId xmlns:a16="http://schemas.microsoft.com/office/drawing/2014/main" id="{1F302E8A-5516-4FE7-9FD8-BB34C492EE26}"/>
+              </a:ext>
+            </a:extLst>
+          </p:cNvPr>
+          <p:cNvPicPr>
+            <a:picLocks noChangeAspect="1"/>
+          </p:cNvPicPr>
+          <p:nvPr/>
+        </p:nvPicPr>
+        <p:blipFill rotWithShape="1">
+          <a:blip r:embed="rId4">
+            <a:extLst>
+              <a:ext uri="{28A0092B-C50C-407E-A947-70E740481C1C}">
+                <a14:useLocalDpi xmlns:a14="http://schemas.microsoft.com/office/drawing/2010/main" val="0"/>
+              </a:ext>
+            </a:extLst>
+          </a:blip>
+          <a:srcRect l="8009" r="3096"/>
+          <a:stretch/>
+        </p:blipFill>
+        <p:spPr>
+          <a:xfrm>
+            <a:off x="1037088" y="2277979"/>
+            <a:ext cx="8128603" cy="6858000"/>
           </a:xfrm>
           <a:prstGeom prst="rect">
             <a:avLst/>
